--- a/assets/mmfp0856_A0poster_horizontal.pptx
+++ b/assets/mmfp0856_A0poster_horizontal.pptx
@@ -197,7 +197,7 @@
           <a:p>
             <a:fld id="{3B166170-D994-4E42-9F5D-ED21D1476039}" type="datetimeFigureOut">
               <a:rPr lang="zh-CN" altLang="en-US" smtClean="0"/>
-              <a:t>2022/9/25</a:t>
+              <a:t>2022/9/26</a:t>
             </a:fld>
             <a:endParaRPr lang="zh-CN" altLang="en-US"/>
           </a:p>
@@ -679,7 +679,7 @@
           <a:p>
             <a:fld id="{C358F6BE-530D-46AB-B832-89BF3F04FDFE}" type="datetimeFigureOut">
               <a:rPr lang="zh-CN" altLang="en-US" smtClean="0"/>
-              <a:t>2022/9/25</a:t>
+              <a:t>2022/9/26</a:t>
             </a:fld>
             <a:endParaRPr lang="zh-CN" altLang="en-US"/>
           </a:p>
@@ -849,7 +849,7 @@
           <a:p>
             <a:fld id="{C358F6BE-530D-46AB-B832-89BF3F04FDFE}" type="datetimeFigureOut">
               <a:rPr lang="zh-CN" altLang="en-US" smtClean="0"/>
-              <a:t>2022/9/25</a:t>
+              <a:t>2022/9/26</a:t>
             </a:fld>
             <a:endParaRPr lang="zh-CN" altLang="en-US"/>
           </a:p>
@@ -1029,7 +1029,7 @@
           <a:p>
             <a:fld id="{C358F6BE-530D-46AB-B832-89BF3F04FDFE}" type="datetimeFigureOut">
               <a:rPr lang="zh-CN" altLang="en-US" smtClean="0"/>
-              <a:t>2022/9/25</a:t>
+              <a:t>2022/9/26</a:t>
             </a:fld>
             <a:endParaRPr lang="zh-CN" altLang="en-US"/>
           </a:p>
@@ -1199,7 +1199,7 @@
           <a:p>
             <a:fld id="{C358F6BE-530D-46AB-B832-89BF3F04FDFE}" type="datetimeFigureOut">
               <a:rPr lang="zh-CN" altLang="en-US" smtClean="0"/>
-              <a:t>2022/9/25</a:t>
+              <a:t>2022/9/26</a:t>
             </a:fld>
             <a:endParaRPr lang="zh-CN" altLang="en-US"/>
           </a:p>
@@ -1443,7 +1443,7 @@
           <a:p>
             <a:fld id="{C358F6BE-530D-46AB-B832-89BF3F04FDFE}" type="datetimeFigureOut">
               <a:rPr lang="zh-CN" altLang="en-US" smtClean="0"/>
-              <a:t>2022/9/25</a:t>
+              <a:t>2022/9/26</a:t>
             </a:fld>
             <a:endParaRPr lang="zh-CN" altLang="en-US"/>
           </a:p>
@@ -1675,7 +1675,7 @@
           <a:p>
             <a:fld id="{C358F6BE-530D-46AB-B832-89BF3F04FDFE}" type="datetimeFigureOut">
               <a:rPr lang="zh-CN" altLang="en-US" smtClean="0"/>
-              <a:t>2022/9/25</a:t>
+              <a:t>2022/9/26</a:t>
             </a:fld>
             <a:endParaRPr lang="zh-CN" altLang="en-US"/>
           </a:p>
@@ -2042,7 +2042,7 @@
           <a:p>
             <a:fld id="{C358F6BE-530D-46AB-B832-89BF3F04FDFE}" type="datetimeFigureOut">
               <a:rPr lang="zh-CN" altLang="en-US" smtClean="0"/>
-              <a:t>2022/9/25</a:t>
+              <a:t>2022/9/26</a:t>
             </a:fld>
             <a:endParaRPr lang="zh-CN" altLang="en-US"/>
           </a:p>
@@ -2160,7 +2160,7 @@
           <a:p>
             <a:fld id="{C358F6BE-530D-46AB-B832-89BF3F04FDFE}" type="datetimeFigureOut">
               <a:rPr lang="zh-CN" altLang="en-US" smtClean="0"/>
-              <a:t>2022/9/25</a:t>
+              <a:t>2022/9/26</a:t>
             </a:fld>
             <a:endParaRPr lang="zh-CN" altLang="en-US"/>
           </a:p>
@@ -2255,7 +2255,7 @@
           <a:p>
             <a:fld id="{C358F6BE-530D-46AB-B832-89BF3F04FDFE}" type="datetimeFigureOut">
               <a:rPr lang="zh-CN" altLang="en-US" smtClean="0"/>
-              <a:t>2022/9/25</a:t>
+              <a:t>2022/9/26</a:t>
             </a:fld>
             <a:endParaRPr lang="zh-CN" altLang="en-US"/>
           </a:p>
@@ -2532,7 +2532,7 @@
           <a:p>
             <a:fld id="{C358F6BE-530D-46AB-B832-89BF3F04FDFE}" type="datetimeFigureOut">
               <a:rPr lang="zh-CN" altLang="en-US" smtClean="0"/>
-              <a:t>2022/9/25</a:t>
+              <a:t>2022/9/26</a:t>
             </a:fld>
             <a:endParaRPr lang="zh-CN" altLang="en-US"/>
           </a:p>
@@ -2789,7 +2789,7 @@
           <a:p>
             <a:fld id="{C358F6BE-530D-46AB-B832-89BF3F04FDFE}" type="datetimeFigureOut">
               <a:rPr lang="zh-CN" altLang="en-US" smtClean="0"/>
-              <a:t>2022/9/25</a:t>
+              <a:t>2022/9/26</a:t>
             </a:fld>
             <a:endParaRPr lang="zh-CN" altLang="en-US"/>
           </a:p>
@@ -3002,7 +3002,7 @@
           <a:p>
             <a:fld id="{C358F6BE-530D-46AB-B832-89BF3F04FDFE}" type="datetimeFigureOut">
               <a:rPr lang="zh-CN" altLang="en-US" smtClean="0"/>
-              <a:t>2022/9/25</a:t>
+              <a:t>2022/9/26</a:t>
             </a:fld>
             <a:endParaRPr lang="zh-CN" altLang="en-US"/>
           </a:p>
@@ -7322,6 +7322,58 @@
           </a:p>
         </p:txBody>
       </p:sp>
+      <p:sp>
+        <p:nvSpPr>
+          <p:cNvPr id="61" name="文本框 60">
+            <a:extLst>
+              <a:ext uri="{FF2B5EF4-FFF2-40B4-BE49-F238E27FC236}">
+                <a16:creationId xmlns:a16="http://schemas.microsoft.com/office/drawing/2014/main" id="{EF9E763B-8B19-4AD1-8D2E-2C5280F8DA6E}"/>
+              </a:ext>
+            </a:extLst>
+          </p:cNvPr>
+          <p:cNvSpPr txBox="1"/>
+          <p:nvPr/>
+        </p:nvSpPr>
+        <p:spPr>
+          <a:xfrm>
+            <a:off x="39540986" y="397056"/>
+            <a:ext cx="3169202" cy="630942"/>
+          </a:xfrm>
+          <a:prstGeom prst="rect">
+            <a:avLst/>
+          </a:prstGeom>
+          <a:noFill/>
+        </p:spPr>
+        <p:txBody>
+          <a:bodyPr wrap="square" rtlCol="0">
+            <a:spAutoFit/>
+          </a:bodyPr>
+          <a:lstStyle/>
+          <a:p>
+            <a:r>
+              <a:rPr lang="en-US" altLang="zh-CN" sz="3500" b="1" dirty="0">
+                <a:solidFill>
+                  <a:schemeClr val="accent4">
+                    <a:lumMod val="75000"/>
+                  </a:schemeClr>
+                </a:solidFill>
+                <a:latin typeface="Arial" panose="020B0604020202020204" pitchFamily="34" charset="0"/>
+                <a:cs typeface="Arial" panose="020B0604020202020204" pitchFamily="34" charset="0"/>
+              </a:rPr>
+              <a:t>MM22-fp0856</a:t>
+            </a:r>
+            <a:endParaRPr lang="zh-CN" altLang="en-US" sz="3500" b="1" dirty="0">
+              <a:solidFill>
+                <a:schemeClr val="accent4">
+                  <a:lumMod val="75000"/>
+                </a:schemeClr>
+              </a:solidFill>
+              <a:latin typeface="Arial" panose="020B0604020202020204" pitchFamily="34" charset="0"/>
+              <a:cs typeface="Arial" panose="020B0604020202020204" pitchFamily="34" charset="0"/>
+            </a:endParaRPr>
+          </a:p>
+        </p:txBody>
+      </p:sp>
     </p:spTree>
     <p:extLst>
       <p:ext uri="{BB962C8B-B14F-4D97-AF65-F5344CB8AC3E}">
